--- a/Presentations/Research Proposal Presentation.pptx
+++ b/Presentations/Research Proposal Presentation.pptx
@@ -5416,10 +5416,9 @@
           <a:lstStyle/>
           <a:p>
             <a:r>
-              <a:rPr lang="de-DE" dirty="0" err="1"/>
-              <a:t>Ressources</a:t>
-            </a:r>
-            <a:endParaRPr lang="de-DE" dirty="0"/>
+              <a:rPr lang="de-DE" dirty="0"/>
+              <a:t>Resources</a:t>
+            </a:r>
           </a:p>
         </p:txBody>
       </p:sp>
@@ -5439,12 +5438,8 @@
           <a:lstStyle/>
           <a:p>
             <a:r>
-              <a:rPr lang="de-DE" sz="1800" dirty="0" err="1"/>
-              <a:t>Citizien</a:t>
-            </a:r>
-            <a:r>
               <a:rPr lang="de-DE" sz="1800" dirty="0"/>
-              <a:t> </a:t>
+              <a:t>Citizen </a:t>
             </a:r>
             <a:r>
               <a:rPr lang="de-DE" sz="1800" dirty="0" err="1"/>
@@ -5716,8 +5711,12 @@
           <a:p>
             <a:pPr lvl="1"/>
             <a:r>
+              <a:rPr lang="de-DE" sz="1600" dirty="0"/>
+              <a:t>Average </a:t>
+            </a:r>
+            <a:r>
               <a:rPr lang="de-DE" sz="1600" dirty="0" err="1"/>
-              <a:t>Hourly</a:t>
+              <a:t>Temperatures</a:t>
             </a:r>
             <a:r>
               <a:rPr lang="de-DE" sz="1600" dirty="0"/>
@@ -5725,14 +5724,6 @@
             </a:r>
             <a:r>
               <a:rPr lang="de-DE" sz="1600" dirty="0" err="1"/>
-              <a:t>Temperature</a:t>
-            </a:r>
-            <a:r>
-              <a:rPr lang="de-DE" sz="1600" dirty="0"/>
-              <a:t> Average </a:t>
-            </a:r>
-            <a:r>
-              <a:rPr lang="de-DE" sz="1600" dirty="0" err="1"/>
               <a:t>for</a:t>
             </a:r>
             <a:r>
@@ -5839,7 +5830,7 @@
             </a:r>
             <a:r>
               <a:rPr lang="de-DE" sz="1800" dirty="0" err="1"/>
-              <a:t>Measurment</a:t>
+              <a:t>measurement</a:t>
             </a:r>
             <a:r>
               <a:rPr lang="de-DE" sz="1800" dirty="0"/>
@@ -6226,32 +6217,49 @@
       </p:sp>
       <p:pic>
         <p:nvPicPr>
-          <p:cNvPr id="3" name="Grafik 2" descr="Ein Bild, das Automat enthält.&#10;&#10;Automatisch generierte Beschreibung">
+          <p:cNvPr id="1026" name="Picture 2">
             <a:extLst>
               <a:ext uri="{FF2B5EF4-FFF2-40B4-BE49-F238E27FC236}">
-                <a16:creationId xmlns:a16="http://schemas.microsoft.com/office/drawing/2014/main" id="{1592D0F9-8157-4260-B86E-051E9A9565C3}"/>
+                <a16:creationId xmlns:a16="http://schemas.microsoft.com/office/drawing/2014/main" id="{053FE8D7-5219-4832-A97D-52033409EB34}"/>
               </a:ext>
             </a:extLst>
           </p:cNvPr>
           <p:cNvPicPr>
-            <a:picLocks noChangeAspect="1"/>
+            <a:picLocks noChangeAspect="1" noChangeArrowheads="1"/>
           </p:cNvPicPr>
           <p:nvPr/>
         </p:nvPicPr>
         <p:blipFill>
-          <a:blip r:embed="rId3"/>
+          <a:blip r:embed="rId3">
+            <a:extLst>
+              <a:ext uri="{28A0092B-C50C-407E-A947-70E740481C1C}">
+                <a14:useLocalDpi xmlns:a14="http://schemas.microsoft.com/office/drawing/2010/main" val="0"/>
+              </a:ext>
+            </a:extLst>
+          </a:blip>
+          <a:srcRect/>
           <a:stretch>
             <a:fillRect/>
           </a:stretch>
         </p:blipFill>
-        <p:spPr>
+        <p:spPr bwMode="auto">
           <a:xfrm>
-            <a:off x="2493590" y="2056656"/>
-            <a:ext cx="4153644" cy="4153644"/>
+            <a:off x="1565274" y="1698624"/>
+            <a:ext cx="6010275" cy="4410075"/>
           </a:xfrm>
           <a:prstGeom prst="rect">
             <a:avLst/>
           </a:prstGeom>
+          <a:noFill/>
+          <a:extLst>
+            <a:ext uri="{909E8E84-426E-40DD-AFC4-6F175D3DCCD1}">
+              <a14:hiddenFill xmlns:a14="http://schemas.microsoft.com/office/drawing/2010/main">
+                <a:solidFill>
+                  <a:srgbClr val="FFFFFF"/>
+                </a:solidFill>
+              </a14:hiddenFill>
+            </a:ext>
+          </a:extLst>
         </p:spPr>
       </p:pic>
     </p:spTree>
